--- a/networkStudy/2015-12-transport-over-ip.pptx
+++ b/networkStudy/2015-12-transport-over-ip.pptx
@@ -294,7 +294,7 @@
               <a:pPr>
                 <a:defRPr/>
               </a:pPr>
-              <a:t>27/04/60</a:t>
+              <a:t>17/05/60</a:t>
             </a:fld>
             <a:endParaRPr lang="th-TH"/>
           </a:p>
@@ -304,7 +304,7 @@
         <p:nvSpPr>
           <p:cNvPr id="7172" name="Rectangle 4"/>
           <p:cNvSpPr>
-            <a:spLocks noGrp="1" noRot="1" noChangeArrowheads="1" noTextEdit="1"/>
+            <a:spLocks noGrp="1" noRot="1" noChangeAspect="1" noChangeArrowheads="1" noTextEdit="1"/>
           </p:cNvSpPr>
           <p:nvPr>
             <p:ph type="sldImg" idx="2"/>
@@ -500,6 +500,11 @@
         </p:txBody>
       </p:sp>
     </p:spTree>
+    <p:extLst>
+      <p:ext uri="{BB962C8B-B14F-4D97-AF65-F5344CB8AC3E}">
+        <p14:creationId xmlns:p14="http://schemas.microsoft.com/office/powerpoint/2010/main" val="2766790613"/>
+      </p:ext>
+    </p:extLst>
   </p:cSld>
   <p:clrMap bg1="lt1" tx1="dk1" bg2="lt2" tx2="dk2" accent1="accent1" accent2="accent2" accent3="accent3" accent4="accent4" accent5="accent5" accent6="accent6" hlink="hlink" folHlink="folHlink"/>
   <p:notesStyle>
@@ -648,7 +653,7 @@
         <p:nvSpPr>
           <p:cNvPr id="12289" name="Rectangle 2"/>
           <p:cNvSpPr>
-            <a:spLocks noGrp="1" noRot="1" noChangeArrowheads="1" noTextEdit="1"/>
+            <a:spLocks noGrp="1" noRot="1" noChangeAspect="1" noChangeArrowheads="1" noTextEdit="1"/>
           </p:cNvSpPr>
           <p:nvPr>
             <p:ph type="sldImg"/>
@@ -732,7 +737,7 @@
         <p:nvSpPr>
           <p:cNvPr id="47106" name="Rectangle 2"/>
           <p:cNvSpPr>
-            <a:spLocks noGrp="1" noRot="1" noChangeArrowheads="1" noTextEdit="1"/>
+            <a:spLocks noGrp="1" noRot="1" noChangeAspect="1" noChangeArrowheads="1" noTextEdit="1"/>
           </p:cNvSpPr>
           <p:nvPr>
             <p:ph type="sldImg"/>
@@ -761,25 +766,49 @@
           <a:lstStyle/>
           <a:p>
             <a:r>
-              <a:rPr lang="th-TH" smtClean="0"/>
+              <a:rPr lang="th-TH" dirty="0" smtClean="0"/>
               <a:t>ทำไมต้องทำ </a:t>
             </a:r>
             <a:r>
-              <a:rPr lang="en-US" smtClean="0"/>
+              <a:rPr lang="en-US" dirty="0" err="1" smtClean="0"/>
               <a:t>crc</a:t>
             </a:r>
             <a:r>
-              <a:rPr lang="th-TH" smtClean="0"/>
+              <a:rPr lang="th-TH" dirty="0" smtClean="0"/>
               <a:t>อีกอ่ะในเมื่อ </a:t>
             </a:r>
             <a:r>
-              <a:rPr lang="en-US" smtClean="0"/>
+              <a:rPr lang="en-US" dirty="0" err="1" smtClean="0"/>
               <a:t>datalink</a:t>
             </a:r>
             <a:r>
-              <a:rPr lang="th-TH" smtClean="0"/>
-              <a:t>ก็ทำแล้วละเอียดด้วย</a:t>
-            </a:r>
+              <a:rPr lang="th-TH" dirty="0" smtClean="0"/>
+              <a:t>ก็ทำแล้วละเอียด</a:t>
+            </a:r>
+            <a:r>
+              <a:rPr lang="th-TH" dirty="0" smtClean="0"/>
+              <a:t>ด้วย</a:t>
+            </a:r>
+            <a:endParaRPr lang="en-US" dirty="0" smtClean="0"/>
+          </a:p>
+          <a:p>
+            <a:r>
+              <a:rPr lang="th-TH" dirty="0" smtClean="0"/>
+              <a:t>เพราะบางทีข้อมูลหายได้</a:t>
+            </a:r>
+            <a:r>
+              <a:rPr lang="th-TH" baseline="0" dirty="0" smtClean="0"/>
+              <a:t> </a:t>
+            </a:r>
+            <a:r>
+              <a:rPr lang="en-US" baseline="0" dirty="0" smtClean="0"/>
+              <a:t>connectionless </a:t>
+            </a:r>
+            <a:r>
+              <a:rPr lang="th-TH" baseline="0" dirty="0" smtClean="0"/>
+              <a:t>เลยอาจมีการเช็คด้วย หรือถ้าเซ็ต0ก็คือไม่ต้องเช็คเลย</a:t>
+            </a:r>
+            <a:endParaRPr lang="th-TH" dirty="0" smtClean="0"/>
           </a:p>
         </p:txBody>
       </p:sp>
@@ -812,7 +841,7 @@
         <p:nvSpPr>
           <p:cNvPr id="49154" name="Rectangle 2"/>
           <p:cNvSpPr>
-            <a:spLocks noGrp="1" noRot="1" noChangeArrowheads="1" noTextEdit="1"/>
+            <a:spLocks noGrp="1" noRot="1" noChangeAspect="1" noChangeArrowheads="1" noTextEdit="1"/>
           </p:cNvSpPr>
           <p:nvPr>
             <p:ph type="sldImg"/>
@@ -841,26 +870,26 @@
           <a:lstStyle/>
           <a:p>
             <a:r>
-              <a:rPr lang="th-TH" smtClean="0"/>
+              <a:rPr lang="th-TH" dirty="0" smtClean="0"/>
               <a:t>การทำงาน </a:t>
             </a:r>
           </a:p>
           <a:p>
             <a:r>
-              <a:rPr lang="th-TH" smtClean="0"/>
+              <a:rPr lang="th-TH" dirty="0" smtClean="0"/>
               <a:t>สร้าง สูโดมาแล้ว </a:t>
             </a:r>
             <a:r>
-              <a:rPr lang="en-US" smtClean="0"/>
+              <a:rPr lang="en-US" dirty="0" smtClean="0"/>
               <a:t>set 0 </a:t>
             </a:r>
             <a:r>
-              <a:rPr lang="th-TH" smtClean="0"/>
+              <a:rPr lang="th-TH" dirty="0" smtClean="0"/>
               <a:t>ก่อน</a:t>
             </a:r>
           </a:p>
           <a:p>
-            <a:endParaRPr lang="th-TH" smtClean="0"/>
+            <a:endParaRPr lang="th-TH" dirty="0" smtClean="0"/>
           </a:p>
         </p:txBody>
       </p:sp>
@@ -891,9 +920,123 @@
       </p:grpSpPr>
       <p:sp>
         <p:nvSpPr>
+          <p:cNvPr id="2" name="Slide Image Placeholder 1"/>
+          <p:cNvSpPr>
+            <a:spLocks noGrp="1" noRot="1" noChangeAspect="1"/>
+          </p:cNvSpPr>
+          <p:nvPr>
+            <p:ph type="sldImg"/>
+          </p:nvPr>
+        </p:nvSpPr>
+        <p:spPr/>
+      </p:sp>
+      <p:sp>
+        <p:nvSpPr>
+          <p:cNvPr id="3" name="Notes Placeholder 2"/>
+          <p:cNvSpPr>
+            <a:spLocks noGrp="1"/>
+          </p:cNvSpPr>
+          <p:nvPr>
+            <p:ph type="body" idx="1"/>
+          </p:nvPr>
+        </p:nvSpPr>
+        <p:spPr/>
+        <p:txBody>
+          <a:bodyPr/>
+          <a:lstStyle/>
+          <a:p>
+            <a:r>
+              <a:rPr lang="en-US" dirty="0" smtClean="0"/>
+              <a:t>UDP </a:t>
+            </a:r>
+            <a:r>
+              <a:rPr lang="th-TH" dirty="0" smtClean="0"/>
+              <a:t>มีแต่</a:t>
+            </a:r>
+            <a:r>
+              <a:rPr lang="en-US" dirty="0" smtClean="0"/>
+              <a:t>port</a:t>
+            </a:r>
+            <a:r>
+              <a:rPr lang="th-TH" dirty="0" smtClean="0"/>
+              <a:t>นะไม่มี</a:t>
+            </a:r>
+            <a:r>
+              <a:rPr lang="th-TH" baseline="0" dirty="0" smtClean="0"/>
+              <a:t> </a:t>
+            </a:r>
+            <a:r>
+              <a:rPr lang="en-US" baseline="0" dirty="0" smtClean="0"/>
+              <a:t>IP</a:t>
+            </a:r>
+            <a:endParaRPr lang="en-US" dirty="0"/>
+          </a:p>
+        </p:txBody>
+      </p:sp>
+      <p:sp>
+        <p:nvSpPr>
+          <p:cNvPr id="4" name="Slide Number Placeholder 3"/>
+          <p:cNvSpPr>
+            <a:spLocks noGrp="1"/>
+          </p:cNvSpPr>
+          <p:nvPr>
+            <p:ph type="sldNum" sz="quarter" idx="10"/>
+          </p:nvPr>
+        </p:nvSpPr>
+        <p:spPr/>
+        <p:txBody>
+          <a:bodyPr/>
+          <a:lstStyle/>
+          <a:p>
+            <a:pPr>
+              <a:defRPr/>
+            </a:pPr>
+            <a:fld id="{BE0B0D8B-E196-404C-A67E-D4D7A057DFEA}" type="slidenum">
+              <a:rPr lang="en-US" smtClean="0"/>
+              <a:pPr>
+                <a:defRPr/>
+              </a:pPr>
+              <a:t>32</a:t>
+            </a:fld>
+            <a:endParaRPr lang="th-TH"/>
+          </a:p>
+        </p:txBody>
+      </p:sp>
+    </p:spTree>
+    <p:extLst>
+      <p:ext uri="{BB962C8B-B14F-4D97-AF65-F5344CB8AC3E}">
+        <p14:creationId xmlns:p14="http://schemas.microsoft.com/office/powerpoint/2010/main" val="1053570896"/>
+      </p:ext>
+    </p:extLst>
+  </p:cSld>
+  <p:clrMapOvr>
+    <a:masterClrMapping/>
+  </p:clrMapOvr>
+</p:notes>
+</file>
+
+<file path=ppt/notesSlides/notesSlide5.xml><?xml version="1.0" encoding="utf-8"?>
+<p:notes xmlns:a="http://schemas.openxmlformats.org/drawingml/2006/main" xmlns:r="http://schemas.openxmlformats.org/officeDocument/2006/relationships" xmlns:p="http://schemas.openxmlformats.org/presentationml/2006/main">
+  <p:cSld>
+    <p:spTree>
+      <p:nvGrpSpPr>
+        <p:cNvPr id="1" name=""/>
+        <p:cNvGrpSpPr/>
+        <p:nvPr/>
+      </p:nvGrpSpPr>
+      <p:grpSpPr>
+        <a:xfrm>
+          <a:off x="0" y="0"/>
+          <a:ext cx="0" cy="0"/>
+          <a:chOff x="0" y="0"/>
+          <a:chExt cx="0" cy="0"/>
+        </a:xfrm>
+      </p:grpSpPr>
+      <p:sp>
+        <p:nvSpPr>
           <p:cNvPr id="48130" name="Rectangle 2"/>
           <p:cNvSpPr>
-            <a:spLocks noGrp="1" noRot="1" noChangeArrowheads="1" noTextEdit="1"/>
+            <a:spLocks noGrp="1" noRot="1" noChangeAspect="1" noChangeArrowheads="1" noTextEdit="1"/>
           </p:cNvSpPr>
           <p:nvPr>
             <p:ph type="sldImg"/>
@@ -922,23 +1065,41 @@
           <a:lstStyle/>
           <a:p>
             <a:r>
-              <a:rPr lang="th-TH" smtClean="0"/>
+              <a:rPr lang="th-TH" dirty="0" smtClean="0"/>
               <a:t>สร้างหัวเทียมขึ้นมาแล้วรวมกับ </a:t>
             </a:r>
             <a:r>
-              <a:rPr lang="en-US" smtClean="0"/>
+              <a:rPr lang="en-US" dirty="0" smtClean="0"/>
               <a:t>header </a:t>
             </a:r>
             <a:r>
-              <a:rPr lang="th-TH" smtClean="0"/>
-              <a:t>แล้วโยนทิ้งไปแล้วส่งตัวล่างไป</a:t>
-            </a:r>
-          </a:p>
-          <a:p>
-            <a:r>
-              <a:rPr lang="th-TH" smtClean="0"/>
-              <a:t>ไปฟังจดไม่ทัน</a:t>
-            </a:r>
+              <a:rPr lang="th-TH" dirty="0" smtClean="0"/>
+              <a:t>แล้วคำนวนใหเสร็จแล้วโยน</a:t>
+            </a:r>
+            <a:r>
+              <a:rPr lang="th-TH" dirty="0" smtClean="0"/>
+              <a:t>ทิ้งไปแล้วส่งตัวล่าง</a:t>
+            </a:r>
+            <a:r>
+              <a:rPr lang="th-TH" dirty="0" smtClean="0"/>
+              <a:t>ไปทำให้ไม่หนักหัว</a:t>
+            </a:r>
+            <a:endParaRPr lang="th-TH" dirty="0" smtClean="0"/>
+          </a:p>
+          <a:p>
+            <a:r>
+              <a:rPr lang="th-TH" dirty="0" smtClean="0"/>
+              <a:t>ขอกลับก็ทำเช่นกัน ทำให้ไม่ต้องใน</a:t>
+            </a:r>
+            <a:r>
+              <a:rPr lang="th-TH" baseline="0" dirty="0" smtClean="0"/>
+              <a:t> </a:t>
+            </a:r>
+            <a:r>
+              <a:rPr lang="en-US" baseline="0" dirty="0" err="1" smtClean="0"/>
+              <a:t>ip</a:t>
+            </a:r>
+            <a:endParaRPr lang="th-TH" dirty="0" smtClean="0"/>
           </a:p>
         </p:txBody>
       </p:sp>
@@ -950,7 +1111,105 @@
 </p:notes>
 </file>
 
-<file path=ppt/notesSlides/notesSlide5.xml><?xml version="1.0" encoding="utf-8"?>
+<file path=ppt/notesSlides/notesSlide6.xml><?xml version="1.0" encoding="utf-8"?>
+<p:notes xmlns:a="http://schemas.openxmlformats.org/drawingml/2006/main" xmlns:r="http://schemas.openxmlformats.org/officeDocument/2006/relationships" xmlns:p="http://schemas.openxmlformats.org/presentationml/2006/main">
+  <p:cSld>
+    <p:spTree>
+      <p:nvGrpSpPr>
+        <p:cNvPr id="1" name=""/>
+        <p:cNvGrpSpPr/>
+        <p:nvPr/>
+      </p:nvGrpSpPr>
+      <p:grpSpPr>
+        <a:xfrm>
+          <a:off x="0" y="0"/>
+          <a:ext cx="0" cy="0"/>
+          <a:chOff x="0" y="0"/>
+          <a:chExt cx="0" cy="0"/>
+        </a:xfrm>
+      </p:grpSpPr>
+      <p:sp>
+        <p:nvSpPr>
+          <p:cNvPr id="2" name="Slide Image Placeholder 1"/>
+          <p:cNvSpPr>
+            <a:spLocks noGrp="1" noRot="1" noChangeAspect="1"/>
+          </p:cNvSpPr>
+          <p:nvPr>
+            <p:ph type="sldImg"/>
+          </p:nvPr>
+        </p:nvSpPr>
+        <p:spPr/>
+      </p:sp>
+      <p:sp>
+        <p:nvSpPr>
+          <p:cNvPr id="3" name="Notes Placeholder 2"/>
+          <p:cNvSpPr>
+            <a:spLocks noGrp="1"/>
+          </p:cNvSpPr>
+          <p:nvPr>
+            <p:ph type="body" idx="1"/>
+          </p:nvPr>
+        </p:nvSpPr>
+        <p:spPr/>
+        <p:txBody>
+          <a:bodyPr/>
+          <a:lstStyle/>
+          <a:p>
+            <a:r>
+              <a:rPr lang="en-US" dirty="0" smtClean="0"/>
+              <a:t>Error </a:t>
+            </a:r>
+            <a:r>
+              <a:rPr lang="th-TH" dirty="0" smtClean="0"/>
+              <a:t>ก็ทิ้งไปดิ</a:t>
+            </a:r>
+            <a:endParaRPr lang="en-US" dirty="0"/>
+          </a:p>
+        </p:txBody>
+      </p:sp>
+      <p:sp>
+        <p:nvSpPr>
+          <p:cNvPr id="4" name="Slide Number Placeholder 3"/>
+          <p:cNvSpPr>
+            <a:spLocks noGrp="1"/>
+          </p:cNvSpPr>
+          <p:nvPr>
+            <p:ph type="sldNum" sz="quarter" idx="10"/>
+          </p:nvPr>
+        </p:nvSpPr>
+        <p:spPr/>
+        <p:txBody>
+          <a:bodyPr/>
+          <a:lstStyle/>
+          <a:p>
+            <a:pPr>
+              <a:defRPr/>
+            </a:pPr>
+            <a:fld id="{BE0B0D8B-E196-404C-A67E-D4D7A057DFEA}" type="slidenum">
+              <a:rPr lang="en-US" smtClean="0"/>
+              <a:pPr>
+                <a:defRPr/>
+              </a:pPr>
+              <a:t>34</a:t>
+            </a:fld>
+            <a:endParaRPr lang="th-TH"/>
+          </a:p>
+        </p:txBody>
+      </p:sp>
+    </p:spTree>
+    <p:extLst>
+      <p:ext uri="{BB962C8B-B14F-4D97-AF65-F5344CB8AC3E}">
+        <p14:creationId xmlns:p14="http://schemas.microsoft.com/office/powerpoint/2010/main" val="1010250026"/>
+      </p:ext>
+    </p:extLst>
+  </p:cSld>
+  <p:clrMapOvr>
+    <a:masterClrMapping/>
+  </p:clrMapOvr>
+</p:notes>
+</file>
+
+<file path=ppt/notesSlides/notesSlide7.xml><?xml version="1.0" encoding="utf-8"?>
 <p:notes xmlns:a="http://schemas.openxmlformats.org/drawingml/2006/main" xmlns:r="http://schemas.openxmlformats.org/officeDocument/2006/relationships" xmlns:p="http://schemas.openxmlformats.org/presentationml/2006/main">
   <p:cSld>
     <p:spTree>
@@ -971,7 +1230,7 @@
         <p:nvSpPr>
           <p:cNvPr id="50178" name="Rectangle 2"/>
           <p:cNvSpPr>
-            <a:spLocks noGrp="1" noRot="1" noChangeArrowheads="1" noTextEdit="1"/>
+            <a:spLocks noGrp="1" noRot="1" noChangeAspect="1" noChangeArrowheads="1" noTextEdit="1"/>
           </p:cNvSpPr>
           <p:nvPr>
             <p:ph type="sldImg"/>
@@ -1000,9 +1259,26 @@
           <a:lstStyle/>
           <a:p>
             <a:r>
-              <a:rPr lang="th-TH" smtClean="0"/>
-              <a:t>เป็นไปได้มั้ยให้มันเบากว่านั้นอีก</a:t>
-            </a:r>
+              <a:rPr lang="th-TH" dirty="0" smtClean="0"/>
+              <a:t>เป็นไปได้มั้ยให้มันเบากว่า</a:t>
+            </a:r>
+            <a:r>
+              <a:rPr lang="th-TH" dirty="0" smtClean="0"/>
+              <a:t>นั้นอีก </a:t>
+            </a:r>
+            <a:r>
+              <a:rPr lang="en-US" dirty="0" smtClean="0"/>
+              <a:t>UDP</a:t>
+            </a:r>
+            <a:r>
+              <a:rPr lang="en-US" baseline="0" dirty="0" smtClean="0"/>
+              <a:t> Lite</a:t>
+            </a:r>
+            <a:r>
+              <a:rPr lang="th-TH" baseline="0" dirty="0" smtClean="0"/>
+              <a:t> โคตรๆเบา</a:t>
+            </a:r>
+            <a:endParaRPr lang="th-TH" dirty="0" smtClean="0"/>
           </a:p>
         </p:txBody>
       </p:sp>
@@ -1146,7 +1422,7 @@
               <a:pPr>
                 <a:defRPr/>
               </a:pPr>
-              <a:t>4/27/2017</a:t>
+              <a:t>5/17/2017</a:t>
             </a:fld>
             <a:endParaRPr lang="en-US"/>
           </a:p>
@@ -1321,7 +1597,7 @@
               <a:pPr>
                 <a:defRPr/>
               </a:pPr>
-              <a:t>4/27/2017</a:t>
+              <a:t>5/17/2017</a:t>
             </a:fld>
             <a:endParaRPr lang="en-US"/>
           </a:p>
@@ -1529,7 +1805,7 @@
               <a:pPr>
                 <a:defRPr/>
               </a:pPr>
-              <a:t>4/27/2017</a:t>
+              <a:t>5/17/2017</a:t>
             </a:fld>
             <a:endParaRPr lang="en-US"/>
           </a:p>
@@ -1675,7 +1951,7 @@
               <a:pPr>
                 <a:defRPr/>
               </a:pPr>
-              <a:t>4/27/2017</a:t>
+              <a:t>5/17/2017</a:t>
             </a:fld>
             <a:endParaRPr lang="en-US"/>
           </a:p>
@@ -1792,7 +2068,7 @@
               <a:pPr>
                 <a:defRPr/>
               </a:pPr>
-              <a:t>4/27/2017</a:t>
+              <a:t>5/17/2017</a:t>
             </a:fld>
             <a:endParaRPr lang="en-US"/>
           </a:p>
@@ -2387,7 +2663,7 @@
               <a:pPr>
                 <a:defRPr/>
               </a:pPr>
-              <a:t>4/27/2017</a:t>
+              <a:t>5/17/2017</a:t>
             </a:fld>
             <a:endParaRPr lang="en-US"/>
           </a:p>
@@ -3315,38 +3591,38 @@
           <a:p>
             <a:pPr marL="3381375"/>
             <a:r>
-              <a:rPr lang="th-TH" b="1">
+              <a:rPr lang="th-TH" b="1" dirty="0">
                 <a:latin typeface="Angsana New" charset="-34"/>
               </a:rPr>
               <a:t>รศ</a:t>
             </a:r>
             <a:r>
-              <a:rPr lang="th-TH" b="1">
+              <a:rPr lang="th-TH" b="1" dirty="0">
                 <a:latin typeface="Tahoma" pitchFamily="34" charset="0"/>
                 <a:cs typeface="Tahoma" pitchFamily="34" charset="0"/>
               </a:rPr>
               <a:t>.</a:t>
             </a:r>
             <a:r>
-              <a:rPr lang="th-TH" b="1">
+              <a:rPr lang="th-TH" b="1" dirty="0">
                 <a:latin typeface="Angsana New" charset="-34"/>
               </a:rPr>
               <a:t>ดร</a:t>
             </a:r>
             <a:r>
-              <a:rPr lang="th-TH" b="1">
+              <a:rPr lang="th-TH" b="1" dirty="0">
                 <a:latin typeface="Tahoma" pitchFamily="34" charset="0"/>
                 <a:cs typeface="Tahoma" pitchFamily="34" charset="0"/>
               </a:rPr>
               <a:t>. </a:t>
             </a:r>
             <a:r>
-              <a:rPr lang="th-TH" b="1">
+              <a:rPr lang="th-TH" b="1" dirty="0">
                 <a:latin typeface="Angsana New" charset="-34"/>
               </a:rPr>
               <a:t>อนันต์  ผลเพม</a:t>
             </a:r>
-            <a:endParaRPr lang="th-TH">
+            <a:endParaRPr lang="th-TH" dirty="0">
               <a:latin typeface="Angsana New" charset="-34"/>
             </a:endParaRPr>
           </a:p>
@@ -3357,7 +3633,7 @@
               </a:spcBef>
             </a:pPr>
             <a:r>
-              <a:rPr lang="th-TH">
+              <a:rPr lang="th-TH" dirty="0">
                 <a:latin typeface="Tahoma" pitchFamily="34" charset="0"/>
                 <a:cs typeface="Tahoma" pitchFamily="34" charset="0"/>
               </a:rPr>
@@ -3371,7 +3647,7 @@
               </a:lnSpc>
             </a:pPr>
             <a:r>
-              <a:rPr lang="th-TH" sz="1800" u="sng">
+              <a:rPr lang="th-TH" sz="1800" u="sng" dirty="0">
                 <a:solidFill>
                   <a:srgbClr val="FF0000"/>
                 </a:solidFill>
@@ -3382,7 +3658,7 @@
               <a:t>anan.p@ku.ac.th </a:t>
             </a:r>
             <a:r>
-              <a:rPr lang="th-TH" sz="1800">
+              <a:rPr lang="th-TH" sz="1800" dirty="0">
                 <a:solidFill>
                   <a:srgbClr val="FF0000"/>
                 </a:solidFill>
@@ -3392,7 +3668,7 @@
               <a:t> </a:t>
             </a:r>
             <a:r>
-              <a:rPr lang="th-TH" sz="1800">
+              <a:rPr lang="th-TH" sz="1800" dirty="0">
                 <a:latin typeface="Tahoma" pitchFamily="34" charset="0"/>
                 <a:cs typeface="Tahoma" pitchFamily="34" charset="0"/>
                 <a:hlinkClick r:id="rId7"/>
@@ -3400,7 +3676,7 @@
               <a:t>http://www.cpe.ku.ac.th/~anan </a:t>
             </a:r>
             <a:r>
-              <a:rPr lang="th-TH" sz="1800">
+              <a:rPr lang="th-TH" sz="1800" dirty="0">
                 <a:latin typeface="Tahoma" pitchFamily="34" charset="0"/>
                 <a:cs typeface="Tahoma" pitchFamily="34" charset="0"/>
               </a:rPr>
@@ -3414,6 +3690,13 @@
   <p:clrMapOvr>
     <a:masterClrMapping/>
   </p:clrMapOvr>
+  <p:timing>
+    <p:tnLst>
+      <p:par>
+        <p:cTn id="1" dur="indefinite" restart="never" nodeType="tmRoot"/>
+      </p:par>
+    </p:tnLst>
+  </p:timing>
 </p:sld>
 </file>
 
@@ -3917,6 +4200,13 @@
   <p:clrMapOvr>
     <a:masterClrMapping/>
   </p:clrMapOvr>
+  <p:timing>
+    <p:tnLst>
+      <p:par>
+        <p:cTn id="1" dur="indefinite" restart="never" nodeType="tmRoot"/>
+      </p:par>
+    </p:tnLst>
+  </p:timing>
 </p:sld>
 </file>
 
@@ -4256,6 +4546,13 @@
   <p:clrMapOvr>
     <a:masterClrMapping/>
   </p:clrMapOvr>
+  <p:timing>
+    <p:tnLst>
+      <p:par>
+        <p:cTn id="1" dur="indefinite" restart="never" nodeType="tmRoot"/>
+      </p:par>
+    </p:tnLst>
+  </p:timing>
 </p:sld>
 </file>
 
@@ -4369,7 +4666,7 @@
         </p:nvGraphicFramePr>
         <p:xfrm>
           <a:off x="1893888" y="1758950"/>
-          <a:ext cx="5257800" cy="4527550"/>
+          <a:ext cx="5257800" cy="4527552"/>
         </p:xfrm>
         <a:graphic>
           <a:graphicData uri="http://schemas.openxmlformats.org/drawingml/2006/table">
@@ -5786,6 +6083,13 @@
   <p:clrMapOvr>
     <a:masterClrMapping/>
   </p:clrMapOvr>
+  <p:timing>
+    <p:tnLst>
+      <p:par>
+        <p:cTn id="1" dur="indefinite" restart="never" nodeType="tmRoot"/>
+      </p:par>
+    </p:tnLst>
+  </p:timing>
 </p:sld>
 </file>
 
@@ -6415,6 +6719,13 @@
   <p:clrMapOvr>
     <a:masterClrMapping/>
   </p:clrMapOvr>
+  <p:timing>
+    <p:tnLst>
+      <p:par>
+        <p:cTn id="1" dur="indefinite" restart="never" nodeType="tmRoot"/>
+      </p:par>
+    </p:tnLst>
+  </p:timing>
 </p:sld>
 </file>
 
@@ -7786,6 +8097,13 @@
   <p:clrMapOvr>
     <a:masterClrMapping/>
   </p:clrMapOvr>
+  <p:timing>
+    <p:tnLst>
+      <p:par>
+        <p:cTn id="1" dur="indefinite" restart="never" nodeType="tmRoot"/>
+      </p:par>
+    </p:tnLst>
+  </p:timing>
 </p:sld>
 </file>
 
@@ -8359,6 +8677,13 @@
   <p:clrMapOvr>
     <a:masterClrMapping/>
   </p:clrMapOvr>
+  <p:timing>
+    <p:tnLst>
+      <p:par>
+        <p:cTn id="1" dur="indefinite" restart="never" nodeType="tmRoot"/>
+      </p:par>
+    </p:tnLst>
+  </p:timing>
 </p:sld>
 </file>
 
@@ -8688,6 +9013,13 @@
   <p:clrMapOvr>
     <a:masterClrMapping/>
   </p:clrMapOvr>
+  <p:timing>
+    <p:tnLst>
+      <p:par>
+        <p:cTn id="1" dur="indefinite" restart="never" nodeType="tmRoot"/>
+      </p:par>
+    </p:tnLst>
+  </p:timing>
 </p:sld>
 </file>
 
@@ -9114,6 +9446,13 @@
   <p:clrMapOvr>
     <a:masterClrMapping/>
   </p:clrMapOvr>
+  <p:timing>
+    <p:tnLst>
+      <p:par>
+        <p:cTn id="1" dur="indefinite" restart="never" nodeType="tmRoot"/>
+      </p:par>
+    </p:tnLst>
+  </p:timing>
 </p:sld>
 </file>
 
@@ -9310,7 +9649,7 @@
               </a:tabLst>
             </a:pPr>
             <a:r>
-              <a:rPr lang="th-TH">
+              <a:rPr lang="th-TH" dirty="0">
                 <a:latin typeface="Tahoma" pitchFamily="34" charset="0"/>
                 <a:cs typeface="Tahoma" pitchFamily="34" charset="0"/>
               </a:rPr>
@@ -9334,14 +9673,14 @@
               </a:tabLst>
             </a:pPr>
             <a:r>
-              <a:rPr lang="th-TH">
+              <a:rPr lang="th-TH" dirty="0">
                 <a:latin typeface="Tahoma" pitchFamily="34" charset="0"/>
                 <a:cs typeface="Tahoma" pitchFamily="34" charset="0"/>
               </a:rPr>
               <a:t>“In computer networking technology, an  </a:t>
             </a:r>
             <a:r>
-              <a:rPr lang="th-TH" sz="3200">
+              <a:rPr lang="th-TH" sz="3200" dirty="0">
                 <a:solidFill>
                   <a:srgbClr val="FF0000"/>
                 </a:solidFill>
@@ -9351,28 +9690,28 @@
               <a:t>ephemeral port </a:t>
             </a:r>
             <a:r>
-              <a:rPr lang="th-TH">
+              <a:rPr lang="th-TH" dirty="0">
                 <a:latin typeface="Tahoma" pitchFamily="34" charset="0"/>
                 <a:cs typeface="Tahoma" pitchFamily="34" charset="0"/>
               </a:rPr>
               <a:t>is a TCP, UDP or SCTP  port which is </a:t>
             </a:r>
             <a:r>
-              <a:rPr lang="th-TH" sz="3200" u="sng">
+              <a:rPr lang="th-TH" sz="3200" u="sng" dirty="0">
                 <a:latin typeface="Tahoma" pitchFamily="34" charset="0"/>
                 <a:cs typeface="Tahoma" pitchFamily="34" charset="0"/>
               </a:rPr>
               <a:t>dynamically assigned to a  client </a:t>
             </a:r>
             <a:r>
-              <a:rPr lang="th-TH">
+              <a:rPr lang="th-TH" dirty="0">
                 <a:latin typeface="Tahoma" pitchFamily="34" charset="0"/>
                 <a:cs typeface="Tahoma" pitchFamily="34" charset="0"/>
               </a:rPr>
               <a:t>application for a short period of time  </a:t>
             </a:r>
             <a:r>
-              <a:rPr lang="th-TH" sz="2400">
+              <a:rPr lang="th-TH" sz="2400" dirty="0">
                 <a:latin typeface="Tahoma" pitchFamily="34" charset="0"/>
                 <a:cs typeface="Tahoma" pitchFamily="34" charset="0"/>
               </a:rPr>
@@ -9396,14 +9735,14 @@
               </a:tabLst>
             </a:pPr>
             <a:r>
-              <a:rPr lang="th-TH">
+              <a:rPr lang="th-TH" dirty="0">
                 <a:latin typeface="Tahoma" pitchFamily="34" charset="0"/>
                 <a:cs typeface="Tahoma" pitchFamily="34" charset="0"/>
               </a:rPr>
               <a:t>“This is in contrast to the "</a:t>
             </a:r>
             <a:r>
-              <a:rPr lang="th-TH">
+              <a:rPr lang="th-TH" dirty="0">
                 <a:solidFill>
                   <a:srgbClr val="0000CC"/>
                 </a:solidFill>
@@ -9413,21 +9752,21 @@
               <a:t>well known</a:t>
             </a:r>
             <a:r>
-              <a:rPr lang="th-TH">
+              <a:rPr lang="th-TH" dirty="0">
                 <a:latin typeface="Tahoma" pitchFamily="34" charset="0"/>
                 <a:cs typeface="Tahoma" pitchFamily="34" charset="0"/>
               </a:rPr>
               <a:t>"  ports which are typically </a:t>
             </a:r>
             <a:r>
-              <a:rPr lang="th-TH" u="sng">
+              <a:rPr lang="th-TH" u="sng" dirty="0">
                 <a:latin typeface="Tahoma" pitchFamily="34" charset="0"/>
                 <a:cs typeface="Tahoma" pitchFamily="34" charset="0"/>
               </a:rPr>
               <a:t>statically assigned  </a:t>
             </a:r>
             <a:r>
-              <a:rPr lang="th-TH">
+              <a:rPr lang="th-TH" dirty="0">
                 <a:latin typeface="Tahoma" pitchFamily="34" charset="0"/>
                 <a:cs typeface="Tahoma" pitchFamily="34" charset="0"/>
               </a:rPr>
@@ -9441,6 +9780,13 @@
   <p:clrMapOvr>
     <a:masterClrMapping/>
   </p:clrMapOvr>
+  <p:timing>
+    <p:tnLst>
+      <p:par>
+        <p:cTn id="1" dur="indefinite" restart="never" nodeType="tmRoot"/>
+      </p:par>
+    </p:tnLst>
+  </p:timing>
 </p:sld>
 </file>
 
@@ -10012,6 +10358,13 @@
   <p:clrMapOvr>
     <a:masterClrMapping/>
   </p:clrMapOvr>
+  <p:timing>
+    <p:tnLst>
+      <p:par>
+        <p:cTn id="1" dur="indefinite" restart="never" nodeType="tmRoot"/>
+      </p:par>
+    </p:tnLst>
+  </p:timing>
 </p:sld>
 </file>
 
@@ -10545,6 +10898,13 @@
   <p:clrMapOvr>
     <a:masterClrMapping/>
   </p:clrMapOvr>
+  <p:timing>
+    <p:tnLst>
+      <p:par>
+        <p:cTn id="1" dur="indefinite" restart="never" nodeType="tmRoot"/>
+      </p:par>
+    </p:tnLst>
+  </p:timing>
 </p:sld>
 </file>
 
@@ -11138,6 +11498,13 @@
   <p:clrMapOvr>
     <a:masterClrMapping/>
   </p:clrMapOvr>
+  <p:timing>
+    <p:tnLst>
+      <p:par>
+        <p:cTn id="1" dur="indefinite" restart="never" nodeType="tmRoot"/>
+      </p:par>
+    </p:tnLst>
+  </p:timing>
 </p:sld>
 </file>
 
@@ -11726,6 +12093,13 @@
   <p:clrMapOvr>
     <a:masterClrMapping/>
   </p:clrMapOvr>
+  <p:timing>
+    <p:tnLst>
+      <p:par>
+        <p:cTn id="1" dur="indefinite" restart="never" nodeType="tmRoot"/>
+      </p:par>
+    </p:tnLst>
+  </p:timing>
 </p:sld>
 </file>
 
@@ -12356,6 +12730,13 @@
   <p:clrMapOvr>
     <a:masterClrMapping/>
   </p:clrMapOvr>
+  <p:timing>
+    <p:tnLst>
+      <p:par>
+        <p:cTn id="1" dur="indefinite" restart="never" nodeType="tmRoot"/>
+      </p:par>
+    </p:tnLst>
+  </p:timing>
 </p:sld>
 </file>
 
@@ -12761,6 +13142,13 @@
   <p:clrMapOvr>
     <a:masterClrMapping/>
   </p:clrMapOvr>
+  <p:timing>
+    <p:tnLst>
+      <p:par>
+        <p:cTn id="1" dur="indefinite" restart="never" nodeType="tmRoot"/>
+      </p:par>
+    </p:tnLst>
+  </p:timing>
 </p:sld>
 </file>
 
@@ -12942,6 +13330,13 @@
   <p:clrMapOvr>
     <a:masterClrMapping/>
   </p:clrMapOvr>
+  <p:timing>
+    <p:tnLst>
+      <p:par>
+        <p:cTn id="1" dur="indefinite" restart="never" nodeType="tmRoot"/>
+      </p:par>
+    </p:tnLst>
+  </p:timing>
 </p:sld>
 </file>
 
@@ -13335,6 +13730,13 @@
   <p:clrMapOvr>
     <a:masterClrMapping/>
   </p:clrMapOvr>
+  <p:timing>
+    <p:tnLst>
+      <p:par>
+        <p:cTn id="1" dur="indefinite" restart="never" nodeType="tmRoot"/>
+      </p:par>
+    </p:tnLst>
+  </p:timing>
 </p:sld>
 </file>
 
@@ -14239,6 +14641,13 @@
   <p:clrMapOvr>
     <a:masterClrMapping/>
   </p:clrMapOvr>
+  <p:timing>
+    <p:tnLst>
+      <p:par>
+        <p:cTn id="1" dur="indefinite" restart="never" nodeType="tmRoot"/>
+      </p:par>
+    </p:tnLst>
+  </p:timing>
 </p:sld>
 </file>
 
@@ -14472,6 +14881,13 @@
   <p:clrMapOvr>
     <a:masterClrMapping/>
   </p:clrMapOvr>
+  <p:timing>
+    <p:tnLst>
+      <p:par>
+        <p:cTn id="1" dur="indefinite" restart="never" nodeType="tmRoot"/>
+      </p:par>
+    </p:tnLst>
+  </p:timing>
 </p:sld>
 </file>
 
@@ -16810,6 +17226,13 @@
   <p:clrMapOvr>
     <a:masterClrMapping/>
   </p:clrMapOvr>
+  <p:timing>
+    <p:tnLst>
+      <p:par>
+        <p:cTn id="1" dur="indefinite" restart="never" nodeType="tmRoot"/>
+      </p:par>
+    </p:tnLst>
+  </p:timing>
 </p:sld>
 </file>
 
@@ -16965,10 +17388,6 @@
               </a:rPr>
               <a:t>?</a:t>
             </a:r>
-            <a:endParaRPr sz="3200">
-              <a:latin typeface="Tahoma"/>
-              <a:cs typeface="Tahoma"/>
-            </a:endParaRPr>
           </a:p>
           <a:p>
             <a:pPr marL="756285" lvl="1" indent="-286385" fontAlgn="auto">
@@ -17018,7 +17437,7 @@
               </a:rPr>
               <a:t>CRC</a:t>
             </a:r>
-            <a:endParaRPr>
+            <a:endParaRPr dirty="0">
               <a:latin typeface="Tahoma"/>
               <a:cs typeface="Tahoma"/>
             </a:endParaRPr>
@@ -17064,7 +17483,7 @@
               </a:rPr>
               <a:t>accepted</a:t>
             </a:r>
-            <a:endParaRPr>
+            <a:endParaRPr dirty="0">
               <a:latin typeface="Tahoma"/>
               <a:cs typeface="Tahoma"/>
             </a:endParaRPr>
@@ -17110,10 +17529,6 @@
               </a:rPr>
               <a:t>!</a:t>
             </a:r>
-            <a:endParaRPr sz="3200">
-              <a:latin typeface="Tahoma"/>
-              <a:cs typeface="Tahoma"/>
-            </a:endParaRPr>
           </a:p>
           <a:p>
             <a:pPr marL="756285" lvl="1" indent="-286385" fontAlgn="auto">
@@ -17163,7 +17578,7 @@
               </a:rPr>
               <a:t>route</a:t>
             </a:r>
-            <a:endParaRPr>
+            <a:endParaRPr dirty="0">
               <a:latin typeface="Tahoma"/>
               <a:cs typeface="Tahoma"/>
             </a:endParaRPr>
@@ -17244,10 +17659,6 @@
               </a:rPr>
               <a:t>0</a:t>
             </a:r>
-            <a:endParaRPr sz="3200">
-              <a:latin typeface="Tahoma"/>
-              <a:cs typeface="Tahoma"/>
-            </a:endParaRPr>
           </a:p>
           <a:p>
             <a:pPr marL="756285" lvl="1" indent="-286385" fontAlgn="auto">
@@ -17276,7 +17687,7 @@
               </a:rPr>
               <a:t>Optional</a:t>
             </a:r>
-            <a:endParaRPr>
+            <a:endParaRPr dirty="0">
               <a:latin typeface="Tahoma"/>
               <a:cs typeface="Tahoma"/>
             </a:endParaRPr>
@@ -17322,7 +17733,7 @@
               </a:rPr>
               <a:t>issue</a:t>
             </a:r>
-            <a:endParaRPr>
+            <a:endParaRPr dirty="0">
               <a:latin typeface="Tahoma"/>
               <a:cs typeface="Tahoma"/>
             </a:endParaRPr>
@@ -17334,6 +17745,13 @@
   <p:clrMapOvr>
     <a:masterClrMapping/>
   </p:clrMapOvr>
+  <p:timing>
+    <p:tnLst>
+      <p:par>
+        <p:cTn id="1" dur="indefinite" restart="never" nodeType="tmRoot"/>
+      </p:par>
+    </p:tnLst>
+  </p:timing>
 </p:sld>
 </file>
 
@@ -17443,7 +17861,7 @@
         </p:nvGraphicFramePr>
         <p:xfrm>
           <a:off x="2327275" y="2120900"/>
-          <a:ext cx="4824413" cy="3505200"/>
+          <a:ext cx="4824476" cy="3505197"/>
         </p:xfrm>
         <a:graphic>
           <a:graphicData uri="http://schemas.openxmlformats.org/drawingml/2006/table">
@@ -17820,6 +18238,13 @@
   <p:clrMapOvr>
     <a:masterClrMapping/>
   </p:clrMapOvr>
+  <p:timing>
+    <p:tnLst>
+      <p:par>
+        <p:cTn id="1" dur="indefinite" restart="never" nodeType="tmRoot"/>
+      </p:par>
+    </p:tnLst>
+  </p:timing>
 </p:sld>
 </file>
 
@@ -18156,6 +18581,13 @@
   <p:clrMapOvr>
     <a:masterClrMapping/>
   </p:clrMapOvr>
+  <p:timing>
+    <p:tnLst>
+      <p:par>
+        <p:cTn id="1" dur="indefinite" restart="never" nodeType="tmRoot"/>
+      </p:par>
+    </p:tnLst>
+  </p:timing>
 </p:sld>
 </file>
 
@@ -18616,6 +19048,13 @@
   <p:clrMapOvr>
     <a:masterClrMapping/>
   </p:clrMapOvr>
+  <p:timing>
+    <p:tnLst>
+      <p:par>
+        <p:cTn id="1" dur="indefinite" restart="never" nodeType="tmRoot"/>
+      </p:par>
+    </p:tnLst>
+  </p:timing>
 </p:sld>
 </file>
 
@@ -19089,6 +19528,13 @@
   <p:clrMapOvr>
     <a:masterClrMapping/>
   </p:clrMapOvr>
+  <p:timing>
+    <p:tnLst>
+      <p:par>
+        <p:cTn id="1" dur="indefinite" restart="never" nodeType="tmRoot"/>
+      </p:par>
+    </p:tnLst>
+  </p:timing>
 </p:sld>
 </file>
 
@@ -20189,7 +20635,7 @@
         </p:nvGraphicFramePr>
         <p:xfrm>
           <a:off x="454025" y="2128838"/>
-          <a:ext cx="8355013" cy="3527425"/>
+          <a:ext cx="8355013" cy="3527426"/>
         </p:xfrm>
         <a:graphic>
           <a:graphicData uri="http://schemas.openxmlformats.org/drawingml/2006/table">
@@ -21727,6 +22173,13 @@
   <p:clrMapOvr>
     <a:masterClrMapping/>
   </p:clrMapOvr>
+  <p:timing>
+    <p:tnLst>
+      <p:par>
+        <p:cTn id="1" dur="indefinite" restart="never" nodeType="tmRoot"/>
+      </p:par>
+    </p:tnLst>
+  </p:timing>
 </p:sld>
 </file>
 
@@ -22124,6 +22577,13 @@
   <p:clrMapOvr>
     <a:masterClrMapping/>
   </p:clrMapOvr>
+  <p:timing>
+    <p:tnLst>
+      <p:par>
+        <p:cTn id="1" dur="indefinite" restart="never" nodeType="tmRoot"/>
+      </p:par>
+    </p:tnLst>
+  </p:timing>
 </p:sld>
 </file>
 
@@ -22899,6 +23359,13 @@
   <p:clrMapOvr>
     <a:masterClrMapping/>
   </p:clrMapOvr>
+  <p:timing>
+    <p:tnLst>
+      <p:par>
+        <p:cTn id="1" dur="indefinite" restart="never" nodeType="tmRoot"/>
+      </p:par>
+    </p:tnLst>
+  </p:timing>
 </p:sld>
 </file>
 
@@ -23249,6 +23716,13 @@
   <p:clrMapOvr>
     <a:masterClrMapping/>
   </p:clrMapOvr>
+  <p:timing>
+    <p:tnLst>
+      <p:par>
+        <p:cTn id="1" dur="indefinite" restart="never" nodeType="tmRoot"/>
+      </p:par>
+    </p:tnLst>
+  </p:timing>
 </p:sld>
 </file>
 
@@ -23321,7 +23795,7 @@
         </p:nvGraphicFramePr>
         <p:xfrm>
           <a:off x="774700" y="1839913"/>
-          <a:ext cx="6338888" cy="1154112"/>
+          <a:ext cx="6338315" cy="1153668"/>
         </p:xfrm>
         <a:graphic>
           <a:graphicData uri="http://schemas.openxmlformats.org/drawingml/2006/table">
@@ -24589,7 +25063,7 @@
         </p:nvGraphicFramePr>
         <p:xfrm>
           <a:off x="774700" y="3992563"/>
-          <a:ext cx="6337300" cy="1155700"/>
+          <a:ext cx="6337300" cy="1155701"/>
         </p:xfrm>
         <a:graphic>
           <a:graphicData uri="http://schemas.openxmlformats.org/drawingml/2006/table">
@@ -25178,6 +25652,13 @@
   <p:clrMapOvr>
     <a:masterClrMapping/>
   </p:clrMapOvr>
+  <p:timing>
+    <p:tnLst>
+      <p:par>
+        <p:cTn id="1" dur="indefinite" restart="never" nodeType="tmRoot"/>
+      </p:par>
+    </p:tnLst>
+  </p:timing>
 </p:sld>
 </file>
 
@@ -30085,6 +30566,13 @@
   <p:clrMapOvr>
     <a:masterClrMapping/>
   </p:clrMapOvr>
+  <p:timing>
+    <p:tnLst>
+      <p:par>
+        <p:cTn id="1" dur="indefinite" restart="never" nodeType="tmRoot"/>
+      </p:par>
+    </p:tnLst>
+  </p:timing>
 </p:sld>
 </file>
 
@@ -30525,6 +31013,13 @@
   <p:clrMapOvr>
     <a:masterClrMapping/>
   </p:clrMapOvr>
+  <p:timing>
+    <p:tnLst>
+      <p:par>
+        <p:cTn id="1" dur="indefinite" restart="never" nodeType="tmRoot"/>
+      </p:par>
+    </p:tnLst>
+  </p:timing>
 </p:sld>
 </file>
 
@@ -30835,6 +31330,13 @@
   <p:clrMapOvr>
     <a:masterClrMapping/>
   </p:clrMapOvr>
+  <p:timing>
+    <p:tnLst>
+      <p:par>
+        <p:cTn id="1" dur="indefinite" restart="never" nodeType="tmRoot"/>
+      </p:par>
+    </p:tnLst>
+  </p:timing>
 </p:sld>
 </file>
 
@@ -31154,6 +31656,13 @@
   <p:clrMapOvr>
     <a:masterClrMapping/>
   </p:clrMapOvr>
+  <p:timing>
+    <p:tnLst>
+      <p:par>
+        <p:cTn id="1" dur="indefinite" restart="never" nodeType="tmRoot"/>
+      </p:par>
+    </p:tnLst>
+  </p:timing>
 </p:sld>
 </file>
 
@@ -31642,6 +32151,13 @@
   <p:clrMapOvr>
     <a:masterClrMapping/>
   </p:clrMapOvr>
+  <p:timing>
+    <p:tnLst>
+      <p:par>
+        <p:cTn id="1" dur="indefinite" restart="never" nodeType="tmRoot"/>
+      </p:par>
+    </p:tnLst>
+  </p:timing>
 </p:sld>
 </file>
 
@@ -34837,6 +35353,13 @@
   <p:clrMapOvr>
     <a:masterClrMapping/>
   </p:clrMapOvr>
+  <p:timing>
+    <p:tnLst>
+      <p:par>
+        <p:cTn id="1" dur="indefinite" restart="never" nodeType="tmRoot"/>
+      </p:par>
+    </p:tnLst>
+  </p:timing>
 </p:sld>
 </file>
 

--- a/networkStudy/2015-12-transport-over-ip.pptx
+++ b/networkStudy/2015-12-transport-over-ip.pptx
@@ -294,7 +294,7 @@
               <a:pPr>
                 <a:defRPr/>
               </a:pPr>
-              <a:t>17/05/60</a:t>
+              <a:t>20/05/60</a:t>
             </a:fld>
             <a:endParaRPr lang="th-TH"/>
           </a:p>
@@ -783,11 +783,7 @@
             </a:r>
             <a:r>
               <a:rPr lang="th-TH" dirty="0" smtClean="0"/>
-              <a:t>ก็ทำแล้วละเอียด</a:t>
-            </a:r>
-            <a:r>
-              <a:rPr lang="th-TH" dirty="0" smtClean="0"/>
-              <a:t>ด้วย</a:t>
+              <a:t>ก็ทำแล้วละเอียดด้วย</a:t>
             </a:r>
             <a:endParaRPr lang="en-US" dirty="0" smtClean="0"/>
           </a:p>
@@ -1074,22 +1070,17 @@
             </a:r>
             <a:r>
               <a:rPr lang="th-TH" dirty="0" smtClean="0"/>
-              <a:t>แล้วคำนวนใหเสร็จแล้วโยน</a:t>
-            </a:r>
+              <a:t>แล้วคำนวนใหเสร็จแล้วโยนทิ้งไปแล้วส่งตัวล่างไปทำให้ไม่หนักหัว</a:t>
+            </a:r>
+          </a:p>
+          <a:p>
             <a:r>
               <a:rPr lang="th-TH" dirty="0" smtClean="0"/>
-              <a:t>ทิ้งไปแล้วส่งตัวล่าง</a:t>
+              <a:t>ขอกลับก็ทำเช่นกัน ทำให้ไม่</a:t>
             </a:r>
             <a:r>
               <a:rPr lang="th-TH" dirty="0" smtClean="0"/>
-              <a:t>ไปทำให้ไม่หนักหัว</a:t>
-            </a:r>
-            <a:endParaRPr lang="th-TH" dirty="0" smtClean="0"/>
-          </a:p>
-          <a:p>
-            <a:r>
-              <a:rPr lang="th-TH" dirty="0" smtClean="0"/>
-              <a:t>ขอกลับก็ทำเช่นกัน ทำให้ไม่ต้องใน</a:t>
+              <a:t>ต้องใส่</a:t>
             </a:r>
             <a:r>
               <a:rPr lang="th-TH" baseline="0" dirty="0" smtClean="0"/>
@@ -1260,11 +1251,7 @@
           <a:p>
             <a:r>
               <a:rPr lang="th-TH" dirty="0" smtClean="0"/>
-              <a:t>เป็นไปได้มั้ยให้มันเบากว่า</a:t>
-            </a:r>
-            <a:r>
-              <a:rPr lang="th-TH" dirty="0" smtClean="0"/>
-              <a:t>นั้นอีก </a:t>
+              <a:t>เป็นไปได้มั้ยให้มันเบากว่านั้นอีก </a:t>
             </a:r>
             <a:r>
               <a:rPr lang="en-US" dirty="0" smtClean="0"/>
@@ -1422,7 +1409,7 @@
               <a:pPr>
                 <a:defRPr/>
               </a:pPr>
-              <a:t>5/17/2017</a:t>
+              <a:t>5/20/2017</a:t>
             </a:fld>
             <a:endParaRPr lang="en-US"/>
           </a:p>
@@ -1597,7 +1584,7 @@
               <a:pPr>
                 <a:defRPr/>
               </a:pPr>
-              <a:t>5/17/2017</a:t>
+              <a:t>5/20/2017</a:t>
             </a:fld>
             <a:endParaRPr lang="en-US"/>
           </a:p>
@@ -1805,7 +1792,7 @@
               <a:pPr>
                 <a:defRPr/>
               </a:pPr>
-              <a:t>5/17/2017</a:t>
+              <a:t>5/20/2017</a:t>
             </a:fld>
             <a:endParaRPr lang="en-US"/>
           </a:p>
@@ -1951,7 +1938,7 @@
               <a:pPr>
                 <a:defRPr/>
               </a:pPr>
-              <a:t>5/17/2017</a:t>
+              <a:t>5/20/2017</a:t>
             </a:fld>
             <a:endParaRPr lang="en-US"/>
           </a:p>
@@ -2068,7 +2055,7 @@
               <a:pPr>
                 <a:defRPr/>
               </a:pPr>
-              <a:t>5/17/2017</a:t>
+              <a:t>5/20/2017</a:t>
             </a:fld>
             <a:endParaRPr lang="en-US"/>
           </a:p>
@@ -2663,7 +2650,7 @@
               <a:pPr>
                 <a:defRPr/>
               </a:pPr>
-              <a:t>5/17/2017</a:t>
+              <a:t>5/20/2017</a:t>
             </a:fld>
             <a:endParaRPr lang="en-US"/>
           </a:p>
